--- a/PROGI_projekt.pptx
+++ b/PROGI_projekt.pptx
@@ -10,7 +10,7 @@
   <p:sldIdLst>
     <p:sldId id="256" r:id="rId2"/>
     <p:sldId id="257" r:id="rId3"/>
-    <p:sldId id="265" r:id="rId4"/>
+    <p:sldId id="275" r:id="rId4"/>
     <p:sldId id="258" r:id="rId5"/>
     <p:sldId id="259" r:id="rId6"/>
     <p:sldId id="267" r:id="rId7"/>
@@ -6629,13 +6629,26 @@
               <a:rPr lang="en-US" sz="2400" dirty="0" err="1"/>
               <a:t>Ljubotina</a:t>
             </a:r>
+            <a:r>
+              <a:rPr lang="en-US" sz="2400" dirty="0"/>
+              <a:t> - </a:t>
+            </a:r>
+            <a:r>
+              <a:rPr lang="en-US" sz="2400" dirty="0" err="1"/>
+              <a:t>Voditelj</a:t>
+            </a:r>
             <a:endParaRPr lang="en-US" sz="2400" dirty="0"/>
           </a:p>
           <a:p>
             <a:r>
               <a:rPr lang="en-US" sz="2400" dirty="0"/>
-              <a:t>Marko Pavić</a:t>
-            </a:r>
+              <a:t>Marko Pavić – BE </a:t>
+            </a:r>
+            <a:r>
+              <a:rPr lang="en-US" sz="2400" dirty="0" err="1"/>
+              <a:t>Inžinjer</a:t>
+            </a:r>
+            <a:endParaRPr lang="en-US" sz="2400" dirty="0"/>
           </a:p>
           <a:p>
             <a:r>
@@ -6644,7 +6657,15 @@
             </a:r>
             <a:r>
               <a:rPr lang="en-GB" sz="2400" dirty="0" err="1"/>
-              <a:t>Breznicki-Herceg</a:t>
+              <a:t>Breznički-Herceg</a:t>
+            </a:r>
+            <a:r>
+              <a:rPr lang="en-GB" sz="2400" dirty="0"/>
+              <a:t> - </a:t>
+            </a:r>
+            <a:r>
+              <a:rPr lang="en-GB" sz="2400" dirty="0" err="1"/>
+              <a:t>Dokumentacija</a:t>
             </a:r>
             <a:endParaRPr lang="en-US" sz="2400" dirty="0"/>
           </a:p>
@@ -6657,6 +6678,14 @@
               <a:rPr lang="en-US" sz="2400" dirty="0" err="1"/>
               <a:t>Ćorić</a:t>
             </a:r>
+            <a:r>
+              <a:rPr lang="en-US" sz="2400" dirty="0"/>
+              <a:t> – FE </a:t>
+            </a:r>
+            <a:r>
+              <a:rPr lang="en-US" sz="2400" dirty="0" err="1"/>
+              <a:t>Inžinjer</a:t>
+            </a:r>
             <a:endParaRPr lang="en-US" sz="2400" dirty="0"/>
           </a:p>
           <a:p>
@@ -6668,7 +6697,10 @@
               <a:rPr lang="en-US" sz="2400" dirty="0" err="1"/>
               <a:t>Vuksanović</a:t>
             </a:r>
-            <a:endParaRPr lang="en-US" sz="2400" dirty="0"/>
+            <a:r>
+              <a:rPr lang="en-US" sz="2400" dirty="0"/>
+              <a:t> – FE Lead </a:t>
+            </a:r>
           </a:p>
           <a:p>
             <a:r>
@@ -6677,7 +6709,15 @@
             </a:r>
             <a:r>
               <a:rPr lang="en-GB" sz="2400" dirty="0" err="1"/>
-              <a:t>Klaric</a:t>
+              <a:t>Klarić</a:t>
+            </a:r>
+            <a:r>
+              <a:rPr lang="en-GB" sz="2400" dirty="0"/>
+              <a:t> -  </a:t>
+            </a:r>
+            <a:r>
+              <a:rPr lang="en-GB" sz="2400" dirty="0" err="1"/>
+              <a:t>Dokumentacija</a:t>
             </a:r>
             <a:endParaRPr lang="en-GB" sz="2400" dirty="0"/>
           </a:p>
@@ -6689,6 +6729,14 @@
             <a:r>
               <a:rPr lang="en-GB" sz="2400" dirty="0" err="1"/>
               <a:t>Milin</a:t>
+            </a:r>
+            <a:r>
+              <a:rPr lang="en-GB" sz="2400" dirty="0"/>
+              <a:t> - </a:t>
+            </a:r>
+            <a:r>
+              <a:rPr lang="en-GB" sz="2400" dirty="0" err="1"/>
+              <a:t>Dokumentacija</a:t>
             </a:r>
             <a:endParaRPr lang="hr-HR" sz="2400" dirty="0"/>
           </a:p>
@@ -6726,7 +6774,7 @@
     </p:spTree>
     <p:extLst>
       <p:ext uri="{BB962C8B-B14F-4D97-AF65-F5344CB8AC3E}">
-        <p14:creationId xmlns:p14="http://schemas.microsoft.com/office/powerpoint/2010/main" val="1667652035"/>
+        <p14:creationId xmlns:p14="http://schemas.microsoft.com/office/powerpoint/2010/main" val="1796163605"/>
       </p:ext>
     </p:extLst>
   </p:cSld>

--- a/PROGI_projekt.pptx
+++ b/PROGI_projekt.pptx
@@ -22,8 +22,8 @@
     <p:sldId id="266" r:id="rId13"/>
     <p:sldId id="273" r:id="rId14"/>
     <p:sldId id="260" r:id="rId15"/>
-    <p:sldId id="262" r:id="rId16"/>
-    <p:sldId id="274" r:id="rId17"/>
+    <p:sldId id="276" r:id="rId16"/>
+    <p:sldId id="262" r:id="rId17"/>
     <p:sldId id="263" r:id="rId18"/>
   </p:sldIdLst>
   <p:sldSz cx="9144000" cy="6858000" type="screen4x3"/>
@@ -1143,7 +1143,7 @@
                 <a14:useLocalDpi xmlns:a14="http://schemas.microsoft.com/office/drawing/2010/main" val="0"/>
               </a:ext>
               <a:ext uri="{96DAC541-7B7A-43D3-8B79-37D633B846F1}">
-                <asvg:svgBlip xmlns:asvg="http://schemas.microsoft.com/office/drawing/2016/SVG/main" r:embed="rId6"/>
+                <asvg:svgBlip xmlns:asvg="http://schemas.microsoft.com/office/drawing/2016/SVG/main" xmlns="" r:embed="rId6"/>
               </a:ext>
             </a:extLst>
           </a:blip>
@@ -4641,7 +4641,7 @@
         <p:spPr/>
         <p:txBody>
           <a:bodyPr>
-            <a:normAutofit/>
+            <a:normAutofit fontScale="90000"/>
           </a:bodyPr>
           <a:lstStyle/>
           <a:p>
@@ -4653,6 +4653,10 @@
             <a:r>
               <a:rPr lang="en-GB" dirty="0" err="1"/>
               <a:t>WildTrack</a:t>
+            </a:r>
+            <a:r>
+              <a:rPr lang="en-GB" dirty="0"/>
+              <a:t/>
             </a:r>
             <a:br>
               <a:rPr lang="en-GB" dirty="0"/>
@@ -4768,7 +4772,7 @@
         </p:blipFill>
         <p:spPr>
           <a:xfrm>
-            <a:off x="1437852" y="1292021"/>
+            <a:off x="1437852" y="1209965"/>
             <a:ext cx="6268295" cy="5405368"/>
           </a:xfrm>
           <a:prstGeom prst="rect">
@@ -4786,6 +4790,13 @@
   <p:clrMapOvr>
     <a:masterClrMapping/>
   </p:clrMapOvr>
+  <p:timing>
+    <p:tnLst>
+      <p:par>
+        <p:cTn id="1" dur="indefinite" restart="never" nodeType="tmRoot"/>
+      </p:par>
+    </p:tnLst>
+  </p:timing>
 </p:sld>
 </file>
 
@@ -4863,7 +4874,7 @@
         </p:blipFill>
         <p:spPr>
           <a:xfrm>
-            <a:off x="1147467" y="1395554"/>
+            <a:off x="1140390" y="1385755"/>
             <a:ext cx="6849065" cy="4931327"/>
           </a:xfrm>
           <a:prstGeom prst="rect">
@@ -4922,6 +4933,13 @@
   <p:clrMapOvr>
     <a:masterClrMapping/>
   </p:clrMapOvr>
+  <p:timing>
+    <p:tnLst>
+      <p:par>
+        <p:cTn id="1" dur="indefinite" restart="never" nodeType="tmRoot"/>
+      </p:par>
+    </p:tnLst>
+  </p:timing>
 </p:sld>
 </file>
 
@@ -5008,77 +5026,69 @@
               </a:lnSpc>
             </a:pPr>
             <a:r>
-              <a:rPr lang="en-GB" sz="2400" b="0" i="0" dirty="0" err="1">
+              <a:rPr lang="hr-HR" sz="2400" b="0" i="0" dirty="0" smtClean="0">
                 <a:effectLst/>
               </a:rPr>
-              <a:t>Sveobuhvatan</a:t>
-            </a:r>
-            <a:r>
-              <a:rPr lang="en-GB" sz="2400" b="0" i="0" dirty="0">
+              <a:t>Proveden je sveobuhvatan pregled testiranja komponenti</a:t>
+            </a:r>
+          </a:p>
+          <a:p>
+            <a:pPr>
+              <a:lnSpc>
+                <a:spcPct val="100000"/>
+              </a:lnSpc>
+            </a:pPr>
+            <a:r>
+              <a:rPr lang="hr-HR" sz="2400" b="0" i="0" dirty="0" smtClean="0">
+                <a:effectLst/>
+              </a:rPr>
+              <a:t>T</a:t>
+            </a:r>
+            <a:r>
+              <a:rPr lang="en-GB" sz="2400" b="0" i="0" dirty="0" err="1" smtClean="0">
+                <a:effectLst/>
+              </a:rPr>
+              <a:t>emelj</a:t>
+            </a:r>
+            <a:r>
+              <a:rPr lang="hr-HR" sz="2400" b="0" i="0" dirty="0" err="1" smtClean="0">
+                <a:effectLst/>
+              </a:rPr>
+              <a:t>en</a:t>
+            </a:r>
+            <a:r>
+              <a:rPr lang="en-GB" sz="2400" b="0" i="0" dirty="0" smtClean="0">
                 <a:effectLst/>
               </a:rPr>
               <a:t> </a:t>
             </a:r>
             <a:r>
-              <a:rPr lang="en-GB" sz="2400" b="0" i="0" dirty="0" err="1">
+              <a:rPr lang="hr-HR" sz="2400" b="0" i="0" dirty="0" smtClean="0">
                 <a:effectLst/>
               </a:rPr>
-              <a:t>pregled</a:t>
-            </a:r>
-            <a:r>
-              <a:rPr lang="en-GB" sz="2400" b="0" i="0" dirty="0">
+              <a:t>j</a:t>
+            </a:r>
+            <a:r>
+              <a:rPr lang="en-GB" sz="2400" b="0" i="0" dirty="0" smtClean="0">
                 <a:effectLst/>
               </a:rPr>
-              <a:t> </a:t>
-            </a:r>
-            <a:r>
-              <a:rPr lang="en-GB" sz="2400" b="0" i="0" dirty="0" err="1">
-                <a:effectLst/>
-              </a:rPr>
-              <a:t>testiranja</a:t>
-            </a:r>
-            <a:r>
-              <a:rPr lang="en-GB" sz="2400" b="0" i="0" dirty="0">
-                <a:effectLst/>
-              </a:rPr>
-              <a:t> </a:t>
-            </a:r>
-            <a:r>
-              <a:rPr lang="en-GB" sz="2400" b="0" i="0" dirty="0" err="1">
-                <a:effectLst/>
-              </a:rPr>
-              <a:t>komponenti</a:t>
-            </a:r>
-            <a:r>
-              <a:rPr lang="en-GB" sz="2400" b="0" i="0" dirty="0">
-                <a:effectLst/>
-              </a:rPr>
-              <a:t> </a:t>
-            </a:r>
-            <a:r>
-              <a:rPr lang="en-GB" sz="2400" b="0" i="0" dirty="0" err="1">
-                <a:effectLst/>
-              </a:rPr>
-              <a:t>temelji</a:t>
-            </a:r>
-            <a:r>
-              <a:rPr lang="en-GB" sz="2400" b="0" i="0" dirty="0">
-                <a:effectLst/>
-              </a:rPr>
-              <a:t> se </a:t>
-            </a:r>
-            <a:r>
-              <a:rPr lang="en-GB" sz="2400" b="0" i="0" dirty="0" err="1">
+              <a:t>e </a:t>
+            </a:r>
+            <a:r>
+              <a:rPr lang="en-GB" sz="2400" b="0" i="0" dirty="0" err="1" smtClean="0">
                 <a:effectLst/>
               </a:rPr>
               <a:t>na</a:t>
             </a:r>
             <a:r>
-              <a:rPr lang="en-GB" sz="2400" b="0" i="0" dirty="0">
+              <a:rPr lang="en-GB" sz="2400" b="0" i="0" dirty="0" smtClean="0">
                 <a:effectLst/>
               </a:rPr>
-              <a:t> JUnit 5.</a:t>
-            </a:r>
+              <a:t> JUnit 5</a:t>
+            </a:r>
+            <a:endParaRPr lang="en-GB" sz="2400" b="0" i="0" dirty="0">
+              <a:effectLst/>
+            </a:endParaRPr>
           </a:p>
           <a:p>
             <a:pPr>
@@ -5290,7 +5300,7 @@
         </p:spPr>
         <p:txBody>
           <a:bodyPr>
-            <a:normAutofit fontScale="92500" lnSpcReduction="10000"/>
+            <a:normAutofit/>
           </a:bodyPr>
           <a:lstStyle/>
           <a:p>
@@ -5304,327 +5314,12 @@
             </a:endParaRPr>
           </a:p>
           <a:p>
-            <a:pPr>
-              <a:lnSpc>
-                <a:spcPct val="100000"/>
-              </a:lnSpc>
-            </a:pPr>
-            <a:r>
-              <a:rPr lang="en-GB" sz="2400" dirty="0" err="1"/>
-              <a:t>Ispitivanje</a:t>
-            </a:r>
-            <a:r>
-              <a:rPr lang="en-GB" sz="2400" dirty="0"/>
-              <a:t> </a:t>
-            </a:r>
-            <a:r>
-              <a:rPr lang="en-GB" sz="2400" dirty="0" err="1"/>
-              <a:t>komponenti</a:t>
-            </a:r>
-            <a:endParaRPr lang="en-GB" sz="2400" dirty="0"/>
-          </a:p>
-          <a:p>
-            <a:pPr lvl="1">
-              <a:lnSpc>
-                <a:spcPct val="100000"/>
-              </a:lnSpc>
-            </a:pPr>
-            <a:r>
-              <a:rPr lang="en-GB" sz="1900" dirty="0" err="1"/>
-              <a:t>Ispitivanje</a:t>
-            </a:r>
-            <a:r>
-              <a:rPr lang="en-GB" sz="1900" dirty="0"/>
-              <a:t> </a:t>
-            </a:r>
-            <a:r>
-              <a:rPr lang="en-GB" sz="1900" dirty="0" err="1"/>
-              <a:t>funkcije</a:t>
-            </a:r>
-            <a:r>
-              <a:rPr lang="en-GB" sz="1900" dirty="0"/>
-              <a:t> </a:t>
-            </a:r>
-            <a:r>
-              <a:rPr lang="en-GB" sz="1900" dirty="0" err="1"/>
-              <a:t>checkActionDto</a:t>
-            </a:r>
-            <a:endParaRPr lang="en-GB" sz="1900" dirty="0"/>
-          </a:p>
-          <a:p>
-            <a:pPr lvl="1">
-              <a:lnSpc>
-                <a:spcPct val="100000"/>
-              </a:lnSpc>
-            </a:pPr>
-            <a:r>
-              <a:rPr lang="en-GB" sz="1900" dirty="0" err="1"/>
-              <a:t>Ispitivanje</a:t>
-            </a:r>
-            <a:r>
-              <a:rPr lang="en-GB" sz="1900" dirty="0"/>
-              <a:t> </a:t>
-            </a:r>
-            <a:r>
-              <a:rPr lang="en-GB" sz="1900" dirty="0" err="1"/>
-              <a:t>funkcije</a:t>
-            </a:r>
-            <a:r>
-              <a:rPr lang="en-GB" sz="1900" dirty="0"/>
-              <a:t> </a:t>
-            </a:r>
-            <a:r>
-              <a:rPr lang="en-GB" sz="1900" dirty="0" err="1"/>
-              <a:t>checkAnimalDto</a:t>
-            </a:r>
-            <a:endParaRPr lang="en-GB" sz="1900" dirty="0"/>
-          </a:p>
-          <a:p>
-            <a:pPr lvl="1">
-              <a:lnSpc>
-                <a:spcPct val="100000"/>
-              </a:lnSpc>
-            </a:pPr>
-            <a:r>
-              <a:rPr lang="en-GB" sz="1900" dirty="0" err="1"/>
-              <a:t>Ispitivanje</a:t>
-            </a:r>
-            <a:r>
-              <a:rPr lang="en-GB" sz="1900" dirty="0"/>
-              <a:t> </a:t>
-            </a:r>
-            <a:r>
-              <a:rPr lang="en-GB" sz="1900" dirty="0" err="1"/>
-              <a:t>funkcije</a:t>
-            </a:r>
-            <a:r>
-              <a:rPr lang="en-GB" sz="1900" dirty="0"/>
-              <a:t> </a:t>
-            </a:r>
-            <a:r>
-              <a:rPr lang="en-GB" sz="1900" dirty="0" err="1"/>
-              <a:t>checkAvailableSearcherDto</a:t>
-            </a:r>
-            <a:endParaRPr lang="en-GB" sz="1900" dirty="0"/>
-          </a:p>
-          <a:p>
-            <a:pPr lvl="1">
-              <a:lnSpc>
-                <a:spcPct val="100000"/>
-              </a:lnSpc>
-            </a:pPr>
-            <a:r>
-              <a:rPr lang="en-GB" sz="1900" dirty="0" err="1"/>
-              <a:t>Ispitivanje</a:t>
-            </a:r>
-            <a:r>
-              <a:rPr lang="en-GB" sz="1900" dirty="0"/>
-              <a:t> </a:t>
-            </a:r>
-            <a:r>
-              <a:rPr lang="en-GB" sz="1900" dirty="0" err="1"/>
-              <a:t>funkcije</a:t>
-            </a:r>
-            <a:r>
-              <a:rPr lang="en-GB" sz="1900" dirty="0"/>
-              <a:t> </a:t>
-            </a:r>
-            <a:r>
-              <a:rPr lang="en-GB" sz="1900" dirty="0" err="1"/>
-              <a:t>checkRequestDto</a:t>
-            </a:r>
-            <a:endParaRPr lang="en-GB" sz="1900" dirty="0"/>
-          </a:p>
-          <a:p>
-            <a:pPr lvl="1">
-              <a:lnSpc>
-                <a:spcPct val="100000"/>
-              </a:lnSpc>
-            </a:pPr>
-            <a:r>
-              <a:rPr lang="en-GB" sz="1900" dirty="0" err="1"/>
-              <a:t>Ispitivanje</a:t>
-            </a:r>
-            <a:r>
-              <a:rPr lang="en-GB" sz="1900" dirty="0"/>
-              <a:t> </a:t>
-            </a:r>
-            <a:r>
-              <a:rPr lang="en-GB" sz="1900" dirty="0" err="1"/>
-              <a:t>funkcije</a:t>
-            </a:r>
-            <a:r>
-              <a:rPr lang="en-GB" sz="1900" dirty="0"/>
-              <a:t> </a:t>
-            </a:r>
-            <a:r>
-              <a:rPr lang="en-GB" sz="1900" dirty="0" err="1"/>
-              <a:t>checkTaskDto</a:t>
-            </a:r>
-            <a:endParaRPr lang="en-GB" sz="1900" dirty="0"/>
-          </a:p>
-          <a:p>
-            <a:pPr lvl="1">
-              <a:lnSpc>
-                <a:spcPct val="100000"/>
-              </a:lnSpc>
-            </a:pPr>
-            <a:r>
-              <a:rPr lang="en-GB" sz="1900" dirty="0" err="1"/>
-              <a:t>Ispitivanje</a:t>
-            </a:r>
-            <a:r>
-              <a:rPr lang="en-GB" sz="1900" dirty="0"/>
-              <a:t> </a:t>
-            </a:r>
-            <a:r>
-              <a:rPr lang="en-GB" sz="1900" dirty="0" err="1"/>
-              <a:t>funkcije</a:t>
-            </a:r>
-            <a:r>
-              <a:rPr lang="en-GB" sz="1900" dirty="0"/>
-              <a:t> </a:t>
-            </a:r>
-            <a:r>
-              <a:rPr lang="en-GB" sz="1900" dirty="0" err="1"/>
-              <a:t>emailRegexCheck</a:t>
-            </a:r>
-            <a:endParaRPr lang="en-GB" sz="1900" dirty="0"/>
-          </a:p>
-          <a:p>
-            <a:pPr lvl="1">
-              <a:lnSpc>
-                <a:spcPct val="100000"/>
-              </a:lnSpc>
-            </a:pPr>
-            <a:r>
-              <a:rPr lang="en-GB" sz="1900" dirty="0" err="1"/>
-              <a:t>Ispitivanje</a:t>
-            </a:r>
-            <a:r>
-              <a:rPr lang="en-GB" sz="1900" dirty="0"/>
-              <a:t> </a:t>
-            </a:r>
-            <a:r>
-              <a:rPr lang="en-GB" sz="1900" dirty="0" err="1"/>
-              <a:t>funkcije</a:t>
-            </a:r>
-            <a:r>
-              <a:rPr lang="en-GB" sz="1900" dirty="0"/>
-              <a:t> </a:t>
-            </a:r>
-            <a:r>
-              <a:rPr lang="en-GB" sz="1900" dirty="0" err="1"/>
-              <a:t>validateCoordinates</a:t>
-            </a:r>
-            <a:endParaRPr lang="en-GB" sz="1900" dirty="0"/>
-          </a:p>
-          <a:p>
-            <a:pPr lvl="1">
-              <a:lnSpc>
-                <a:spcPct val="100000"/>
-              </a:lnSpc>
-            </a:pPr>
-            <a:r>
-              <a:rPr lang="en-GB" sz="1900" dirty="0" err="1"/>
-              <a:t>Ispitivanje</a:t>
-            </a:r>
-            <a:r>
-              <a:rPr lang="en-GB" sz="1900" dirty="0"/>
-              <a:t> </a:t>
-            </a:r>
-            <a:r>
-              <a:rPr lang="en-GB" sz="1900" dirty="0" err="1"/>
-              <a:t>funkcije</a:t>
-            </a:r>
-            <a:r>
-              <a:rPr lang="en-GB" sz="1900" dirty="0"/>
-              <a:t> </a:t>
-            </a:r>
-            <a:r>
-              <a:rPr lang="en-GB" sz="1900" dirty="0" err="1"/>
-              <a:t>putRemoveFromAction</a:t>
-            </a:r>
-            <a:endParaRPr lang="en-GB" sz="1900" dirty="0"/>
-          </a:p>
-          <a:p>
             <a:pPr lvl="1">
               <a:lnSpc>
                 <a:spcPct val="100000"/>
               </a:lnSpc>
             </a:pPr>
             <a:endParaRPr lang="en-GB" sz="1800" dirty="0"/>
-          </a:p>
-          <a:p>
-            <a:pPr>
-              <a:lnSpc>
-                <a:spcPct val="100000"/>
-              </a:lnSpc>
-            </a:pPr>
-            <a:r>
-              <a:rPr lang="en-GB" sz="2400" dirty="0" err="1"/>
-              <a:t>Ispitivanje</a:t>
-            </a:r>
-            <a:r>
-              <a:rPr lang="en-GB" sz="2400" dirty="0"/>
-              <a:t> </a:t>
-            </a:r>
-            <a:r>
-              <a:rPr lang="en-GB" sz="2400" dirty="0" err="1"/>
-              <a:t>sustava</a:t>
-            </a:r>
-            <a:r>
-              <a:rPr lang="en-GB" sz="2400" dirty="0"/>
-              <a:t> </a:t>
-            </a:r>
-          </a:p>
-          <a:p>
-            <a:pPr lvl="1">
-              <a:lnSpc>
-                <a:spcPct val="100000"/>
-              </a:lnSpc>
-            </a:pPr>
-            <a:r>
-              <a:rPr lang="en-GB" sz="1900" dirty="0" err="1"/>
-              <a:t>Ispitivanje</a:t>
-            </a:r>
-            <a:r>
-              <a:rPr lang="en-GB" sz="1900" dirty="0"/>
-              <a:t> </a:t>
-            </a:r>
-            <a:r>
-              <a:rPr lang="en-GB" sz="1900" dirty="0" err="1"/>
-              <a:t>Prijave</a:t>
-            </a:r>
-            <a:r>
-              <a:rPr lang="en-GB" sz="1900" dirty="0"/>
-              <a:t> </a:t>
-            </a:r>
-            <a:r>
-              <a:rPr lang="en-GB" sz="1900" dirty="0" err="1"/>
-              <a:t>Korisnika</a:t>
-            </a:r>
-            <a:endParaRPr lang="en-GB" sz="1900" dirty="0"/>
-          </a:p>
-          <a:p>
-            <a:pPr lvl="1">
-              <a:lnSpc>
-                <a:spcPct val="100000"/>
-              </a:lnSpc>
-            </a:pPr>
-            <a:r>
-              <a:rPr lang="en-GB" sz="1900" dirty="0" err="1"/>
-              <a:t>Ispitivanje</a:t>
-            </a:r>
-            <a:r>
-              <a:rPr lang="en-GB" sz="1900" dirty="0"/>
-              <a:t> </a:t>
-            </a:r>
-            <a:r>
-              <a:rPr lang="en-GB" sz="1900" dirty="0" err="1"/>
-              <a:t>Registracije</a:t>
-            </a:r>
-            <a:endParaRPr lang="hr-HR" sz="1900" dirty="0"/>
           </a:p>
           <a:p>
             <a:pPr>
@@ -5665,6 +5360,621 @@
           </a:p>
         </p:txBody>
       </p:sp>
+      <p:graphicFrame>
+        <p:nvGraphicFramePr>
+          <p:cNvPr id="10" name="Table 9"/>
+          <p:cNvGraphicFramePr>
+            <a:graphicFrameLocks noGrp="1"/>
+          </p:cNvGraphicFramePr>
+          <p:nvPr>
+            <p:extLst>
+              <p:ext uri="{D42A27DB-BD31-4B8C-83A1-F6EECF244321}">
+                <p14:modId xmlns:p14="http://schemas.microsoft.com/office/powerpoint/2010/main" val="2859681405"/>
+              </p:ext>
+            </p:extLst>
+          </p:nvPr>
+        </p:nvGraphicFramePr>
+        <p:xfrm>
+          <a:off x="169817" y="1640725"/>
+          <a:ext cx="8804366" cy="4069806"/>
+        </p:xfrm>
+        <a:graphic>
+          <a:graphicData uri="http://schemas.openxmlformats.org/drawingml/2006/table">
+            <a:tbl>
+              <a:tblPr firstRow="1" bandRow="1">
+                <a:tableStyleId>{5C22544A-7EE6-4342-B048-85BDC9FD1C3A}</a:tableStyleId>
+              </a:tblPr>
+              <a:tblGrid>
+                <a:gridCol w="4676503">
+                  <a:extLst>
+                    <a:ext uri="{9D8B030D-6E8A-4147-A177-3AD203B41FA5}">
+                      <a16:colId xmlns:a16="http://schemas.microsoft.com/office/drawing/2014/main" val="1249811932"/>
+                    </a:ext>
+                  </a:extLst>
+                </a:gridCol>
+                <a:gridCol w="4127863">
+                  <a:extLst>
+                    <a:ext uri="{9D8B030D-6E8A-4147-A177-3AD203B41FA5}">
+                      <a16:colId xmlns:a16="http://schemas.microsoft.com/office/drawing/2014/main" val="2821570305"/>
+                    </a:ext>
+                  </a:extLst>
+                </a:gridCol>
+              </a:tblGrid>
+              <a:tr h="370840">
+                <a:tc>
+                  <a:txBody>
+                    <a:bodyPr/>
+                    <a:lstStyle/>
+                    <a:p>
+                      <a:pPr algn="ctr">
+                        <a:lnSpc>
+                          <a:spcPct val="100000"/>
+                        </a:lnSpc>
+                      </a:pPr>
+                      <a:r>
+                        <a:rPr lang="en-GB" sz="1800" dirty="0" err="1" smtClean="0"/>
+                        <a:t>Ispitivanje</a:t>
+                      </a:r>
+                      <a:r>
+                        <a:rPr lang="en-GB" sz="1800" dirty="0" smtClean="0"/>
+                        <a:t> </a:t>
+                      </a:r>
+                      <a:r>
+                        <a:rPr lang="en-GB" sz="1800" dirty="0" err="1" smtClean="0"/>
+                        <a:t>komponenti</a:t>
+                      </a:r>
+                      <a:endParaRPr lang="en-GB" sz="1800" dirty="0" smtClean="0"/>
+                    </a:p>
+                  </a:txBody>
+                  <a:tcPr/>
+                </a:tc>
+                <a:tc>
+                  <a:txBody>
+                    <a:bodyPr/>
+                    <a:lstStyle/>
+                    <a:p>
+                      <a:pPr algn="ctr"/>
+                      <a:r>
+                        <a:rPr lang="hr-HR" dirty="0" smtClean="0"/>
+                        <a:t>Ispitivanje</a:t>
+                      </a:r>
+                      <a:r>
+                        <a:rPr lang="hr-HR" baseline="0" dirty="0" smtClean="0"/>
+                        <a:t> sustava</a:t>
+                      </a:r>
+                      <a:endParaRPr lang="en-US" dirty="0"/>
+                    </a:p>
+                  </a:txBody>
+                  <a:tcPr/>
+                </a:tc>
+                <a:extLst>
+                  <a:ext uri="{0D108BD9-81ED-4DB2-BD59-A6C34878D82A}">
+                    <a16:rowId xmlns:a16="http://schemas.microsoft.com/office/drawing/2014/main" val="3242247157"/>
+                  </a:ext>
+                </a:extLst>
+              </a:tr>
+              <a:tr h="452846">
+                <a:tc>
+                  <a:txBody>
+                    <a:bodyPr/>
+                    <a:lstStyle/>
+                    <a:p>
+                      <a:pPr marL="457200" marR="0" lvl="1" indent="0" algn="l" defTabSz="914400" rtl="0" eaLnBrk="1" fontAlgn="auto" latinLnBrk="0" hangingPunct="1">
+                        <a:lnSpc>
+                          <a:spcPct val="100000"/>
+                        </a:lnSpc>
+                        <a:spcBef>
+                          <a:spcPts val="0"/>
+                        </a:spcBef>
+                        <a:spcAft>
+                          <a:spcPts val="0"/>
+                        </a:spcAft>
+                        <a:buClrTx/>
+                        <a:buSzTx/>
+                        <a:buFontTx/>
+                        <a:buNone/>
+                        <a:tabLst/>
+                        <a:defRPr/>
+                      </a:pPr>
+                      <a:r>
+                        <a:rPr lang="en-GB" sz="1900" dirty="0" err="1" smtClean="0"/>
+                        <a:t>Ispitivanje</a:t>
+                      </a:r>
+                      <a:r>
+                        <a:rPr lang="en-GB" sz="1900" dirty="0" smtClean="0"/>
+                        <a:t> </a:t>
+                      </a:r>
+                      <a:r>
+                        <a:rPr lang="en-GB" sz="1900" dirty="0" err="1" smtClean="0"/>
+                        <a:t>funkcije</a:t>
+                      </a:r>
+                      <a:r>
+                        <a:rPr lang="en-GB" sz="1900" dirty="0" smtClean="0"/>
+                        <a:t> </a:t>
+                      </a:r>
+                      <a:r>
+                        <a:rPr lang="en-GB" sz="1900" i="1" dirty="0" err="1" smtClean="0"/>
+                        <a:t>checkActionDto</a:t>
+                      </a:r>
+                      <a:endParaRPr lang="en-GB" sz="1900" i="1" dirty="0" smtClean="0"/>
+                    </a:p>
+                  </a:txBody>
+                  <a:tcPr/>
+                </a:tc>
+                <a:tc>
+                  <a:txBody>
+                    <a:bodyPr/>
+                    <a:lstStyle/>
+                    <a:p>
+                      <a:pPr marL="457200" marR="0" lvl="1" indent="0" algn="l" defTabSz="914400" rtl="0" eaLnBrk="1" fontAlgn="auto" latinLnBrk="0" hangingPunct="1">
+                        <a:lnSpc>
+                          <a:spcPct val="100000"/>
+                        </a:lnSpc>
+                        <a:spcBef>
+                          <a:spcPts val="0"/>
+                        </a:spcBef>
+                        <a:spcAft>
+                          <a:spcPts val="0"/>
+                        </a:spcAft>
+                        <a:buClrTx/>
+                        <a:buSzTx/>
+                        <a:buFontTx/>
+                        <a:buNone/>
+                        <a:tabLst/>
+                        <a:defRPr/>
+                      </a:pPr>
+                      <a:r>
+                        <a:rPr lang="en-GB" sz="1900" dirty="0" err="1" smtClean="0"/>
+                        <a:t>Ispitivanje</a:t>
+                      </a:r>
+                      <a:r>
+                        <a:rPr lang="en-GB" sz="1900" dirty="0" smtClean="0"/>
+                        <a:t> </a:t>
+                      </a:r>
+                      <a:r>
+                        <a:rPr lang="hr-HR" sz="1900" i="1" dirty="0" smtClean="0"/>
+                        <a:t>p</a:t>
+                      </a:r>
+                      <a:r>
+                        <a:rPr lang="en-GB" sz="1900" i="1" dirty="0" err="1" smtClean="0"/>
+                        <a:t>rijave</a:t>
+                      </a:r>
+                      <a:r>
+                        <a:rPr lang="en-GB" sz="1900" i="1" dirty="0" smtClean="0"/>
+                        <a:t> </a:t>
+                      </a:r>
+                      <a:r>
+                        <a:rPr lang="hr-HR" sz="1900" i="1" dirty="0" smtClean="0"/>
+                        <a:t>k</a:t>
+                      </a:r>
+                      <a:r>
+                        <a:rPr lang="en-GB" sz="1900" i="1" dirty="0" err="1" smtClean="0"/>
+                        <a:t>orisnik</a:t>
+                      </a:r>
+                      <a:r>
+                        <a:rPr lang="hr-HR" sz="1900" i="1" dirty="0" smtClean="0"/>
+                        <a:t>a</a:t>
+                      </a:r>
+                      <a:endParaRPr lang="en-GB" sz="1900" i="1" dirty="0" smtClean="0"/>
+                    </a:p>
+                  </a:txBody>
+                  <a:tcPr/>
+                </a:tc>
+                <a:extLst>
+                  <a:ext uri="{0D108BD9-81ED-4DB2-BD59-A6C34878D82A}">
+                    <a16:rowId xmlns:a16="http://schemas.microsoft.com/office/drawing/2014/main" val="3356274295"/>
+                  </a:ext>
+                </a:extLst>
+              </a:tr>
+              <a:tr h="370840">
+                <a:tc>
+                  <a:txBody>
+                    <a:bodyPr/>
+                    <a:lstStyle/>
+                    <a:p>
+                      <a:pPr lvl="1" algn="l">
+                        <a:lnSpc>
+                          <a:spcPct val="100000"/>
+                        </a:lnSpc>
+                      </a:pPr>
+                      <a:r>
+                        <a:rPr lang="en-GB" sz="1900" dirty="0" err="1" smtClean="0"/>
+                        <a:t>Ispitivanje</a:t>
+                      </a:r>
+                      <a:r>
+                        <a:rPr lang="en-GB" sz="1900" dirty="0" smtClean="0"/>
+                        <a:t> </a:t>
+                      </a:r>
+                      <a:r>
+                        <a:rPr lang="en-GB" sz="1900" dirty="0" err="1" smtClean="0"/>
+                        <a:t>funkcije</a:t>
+                      </a:r>
+                      <a:r>
+                        <a:rPr lang="en-GB" sz="1900" dirty="0" smtClean="0"/>
+                        <a:t> </a:t>
+                      </a:r>
+                      <a:r>
+                        <a:rPr lang="en-GB" sz="1900" i="1" dirty="0" err="1" smtClean="0"/>
+                        <a:t>checkAnimalDto</a:t>
+                      </a:r>
+                      <a:endParaRPr lang="en-GB" sz="1900" i="1" dirty="0" smtClean="0"/>
+                    </a:p>
+                  </a:txBody>
+                  <a:tcPr/>
+                </a:tc>
+                <a:tc>
+                  <a:txBody>
+                    <a:bodyPr/>
+                    <a:lstStyle/>
+                    <a:p>
+                      <a:pPr marL="0" marR="0" lvl="1" indent="0" algn="l" defTabSz="914400" rtl="0" eaLnBrk="1" fontAlgn="auto" latinLnBrk="0" hangingPunct="1">
+                        <a:lnSpc>
+                          <a:spcPct val="100000"/>
+                        </a:lnSpc>
+                        <a:spcBef>
+                          <a:spcPts val="0"/>
+                        </a:spcBef>
+                        <a:spcAft>
+                          <a:spcPts val="0"/>
+                        </a:spcAft>
+                        <a:buClrTx/>
+                        <a:buSzTx/>
+                        <a:buFontTx/>
+                        <a:buNone/>
+                        <a:tabLst/>
+                        <a:defRPr/>
+                      </a:pPr>
+                      <a:r>
+                        <a:rPr lang="hr-HR" sz="1900" dirty="0" smtClean="0"/>
+                        <a:t>       </a:t>
+                      </a:r>
+                      <a:r>
+                        <a:rPr lang="hr-HR" sz="1900" baseline="0" dirty="0" smtClean="0"/>
+                        <a:t> </a:t>
+                      </a:r>
+                      <a:r>
+                        <a:rPr lang="en-GB" sz="1900" dirty="0" err="1" smtClean="0"/>
+                        <a:t>Ispitivanje</a:t>
+                      </a:r>
+                      <a:r>
+                        <a:rPr lang="en-GB" sz="1900" dirty="0" smtClean="0"/>
+                        <a:t> </a:t>
+                      </a:r>
+                      <a:r>
+                        <a:rPr lang="hr-HR" sz="1900" i="1" dirty="0" smtClean="0"/>
+                        <a:t>r</a:t>
+                      </a:r>
+                      <a:r>
+                        <a:rPr lang="en-GB" sz="1900" i="1" dirty="0" err="1" smtClean="0"/>
+                        <a:t>egistracije</a:t>
+                      </a:r>
+                      <a:endParaRPr lang="hr-HR" sz="1900" i="1" dirty="0" smtClean="0"/>
+                    </a:p>
+                  </a:txBody>
+                  <a:tcPr/>
+                </a:tc>
+                <a:extLst>
+                  <a:ext uri="{0D108BD9-81ED-4DB2-BD59-A6C34878D82A}">
+                    <a16:rowId xmlns:a16="http://schemas.microsoft.com/office/drawing/2014/main" val="1064538367"/>
+                  </a:ext>
+                </a:extLst>
+              </a:tr>
+              <a:tr h="370840">
+                <a:tc>
+                  <a:txBody>
+                    <a:bodyPr/>
+                    <a:lstStyle/>
+                    <a:p>
+                      <a:pPr lvl="1" algn="l">
+                        <a:lnSpc>
+                          <a:spcPct val="100000"/>
+                        </a:lnSpc>
+                      </a:pPr>
+                      <a:r>
+                        <a:rPr lang="en-GB" sz="1900" dirty="0" err="1" smtClean="0"/>
+                        <a:t>Ispitivanje</a:t>
+                      </a:r>
+                      <a:r>
+                        <a:rPr lang="en-GB" sz="1900" dirty="0" smtClean="0"/>
+                        <a:t> </a:t>
+                      </a:r>
+                      <a:r>
+                        <a:rPr lang="en-GB" sz="1900" dirty="0" err="1" smtClean="0"/>
+                        <a:t>funkcije</a:t>
+                      </a:r>
+                      <a:r>
+                        <a:rPr lang="en-GB" sz="1900" dirty="0" smtClean="0"/>
+                        <a:t> </a:t>
+                      </a:r>
+                      <a:r>
+                        <a:rPr lang="en-GB" sz="1900" i="1" dirty="0" err="1" smtClean="0"/>
+                        <a:t>checkAvailableSearcherDto</a:t>
+                      </a:r>
+                      <a:endParaRPr lang="en-GB" sz="1900" i="1" dirty="0" smtClean="0"/>
+                    </a:p>
+                  </a:txBody>
+                  <a:tcPr/>
+                </a:tc>
+                <a:tc>
+                  <a:txBody>
+                    <a:bodyPr/>
+                    <a:lstStyle/>
+                    <a:p>
+                      <a:endParaRPr lang="en-US" dirty="0"/>
+                    </a:p>
+                  </a:txBody>
+                  <a:tcPr/>
+                </a:tc>
+                <a:extLst>
+                  <a:ext uri="{0D108BD9-81ED-4DB2-BD59-A6C34878D82A}">
+                    <a16:rowId xmlns:a16="http://schemas.microsoft.com/office/drawing/2014/main" val="3686903999"/>
+                  </a:ext>
+                </a:extLst>
+              </a:tr>
+              <a:tr h="370840">
+                <a:tc>
+                  <a:txBody>
+                    <a:bodyPr/>
+                    <a:lstStyle/>
+                    <a:p>
+                      <a:pPr lvl="1" algn="l">
+                        <a:lnSpc>
+                          <a:spcPct val="100000"/>
+                        </a:lnSpc>
+                      </a:pPr>
+                      <a:r>
+                        <a:rPr lang="en-GB" sz="1900" dirty="0" err="1" smtClean="0"/>
+                        <a:t>Ispitivanje</a:t>
+                      </a:r>
+                      <a:r>
+                        <a:rPr lang="en-GB" sz="1900" dirty="0" smtClean="0"/>
+                        <a:t> </a:t>
+                      </a:r>
+                      <a:r>
+                        <a:rPr lang="en-GB" sz="1900" dirty="0" err="1" smtClean="0"/>
+                        <a:t>funkcije</a:t>
+                      </a:r>
+                      <a:r>
+                        <a:rPr lang="en-GB" sz="1900" dirty="0" smtClean="0"/>
+                        <a:t> </a:t>
+                      </a:r>
+                      <a:r>
+                        <a:rPr lang="en-GB" sz="1900" i="1" dirty="0" err="1" smtClean="0"/>
+                        <a:t>checkRequestDto</a:t>
+                      </a:r>
+                      <a:endParaRPr lang="en-GB" sz="1900" i="1" dirty="0" smtClean="0"/>
+                    </a:p>
+                  </a:txBody>
+                  <a:tcPr/>
+                </a:tc>
+                <a:tc>
+                  <a:txBody>
+                    <a:bodyPr/>
+                    <a:lstStyle/>
+                    <a:p>
+                      <a:endParaRPr lang="en-US" dirty="0"/>
+                    </a:p>
+                  </a:txBody>
+                  <a:tcPr/>
+                </a:tc>
+                <a:extLst>
+                  <a:ext uri="{0D108BD9-81ED-4DB2-BD59-A6C34878D82A}">
+                    <a16:rowId xmlns:a16="http://schemas.microsoft.com/office/drawing/2014/main" val="750134055"/>
+                  </a:ext>
+                </a:extLst>
+              </a:tr>
+              <a:tr h="370840">
+                <a:tc>
+                  <a:txBody>
+                    <a:bodyPr/>
+                    <a:lstStyle/>
+                    <a:p>
+                      <a:pPr lvl="1" algn="l">
+                        <a:lnSpc>
+                          <a:spcPct val="100000"/>
+                        </a:lnSpc>
+                      </a:pPr>
+                      <a:r>
+                        <a:rPr lang="en-GB" sz="1900" dirty="0" err="1" smtClean="0"/>
+                        <a:t>Ispitivanje</a:t>
+                      </a:r>
+                      <a:r>
+                        <a:rPr lang="en-GB" sz="1900" dirty="0" smtClean="0"/>
+                        <a:t> </a:t>
+                      </a:r>
+                      <a:r>
+                        <a:rPr lang="en-GB" sz="1900" dirty="0" err="1" smtClean="0"/>
+                        <a:t>funkcije</a:t>
+                      </a:r>
+                      <a:r>
+                        <a:rPr lang="en-GB" sz="1900" dirty="0" smtClean="0"/>
+                        <a:t> </a:t>
+                      </a:r>
+                      <a:r>
+                        <a:rPr lang="en-GB" sz="1900" i="1" dirty="0" err="1" smtClean="0"/>
+                        <a:t>checkTaskDto</a:t>
+                      </a:r>
+                      <a:endParaRPr lang="en-GB" sz="1900" i="1" dirty="0" smtClean="0"/>
+                    </a:p>
+                  </a:txBody>
+                  <a:tcPr/>
+                </a:tc>
+                <a:tc>
+                  <a:txBody>
+                    <a:bodyPr/>
+                    <a:lstStyle/>
+                    <a:p>
+                      <a:endParaRPr lang="en-US" dirty="0"/>
+                    </a:p>
+                  </a:txBody>
+                  <a:tcPr/>
+                </a:tc>
+                <a:extLst>
+                  <a:ext uri="{0D108BD9-81ED-4DB2-BD59-A6C34878D82A}">
+                    <a16:rowId xmlns:a16="http://schemas.microsoft.com/office/drawing/2014/main" val="3784983203"/>
+                  </a:ext>
+                </a:extLst>
+              </a:tr>
+              <a:tr h="370840">
+                <a:tc>
+                  <a:txBody>
+                    <a:bodyPr/>
+                    <a:lstStyle/>
+                    <a:p>
+                      <a:pPr lvl="1" algn="l">
+                        <a:lnSpc>
+                          <a:spcPct val="100000"/>
+                        </a:lnSpc>
+                      </a:pPr>
+                      <a:r>
+                        <a:rPr lang="en-GB" sz="1900" dirty="0" err="1" smtClean="0"/>
+                        <a:t>Ispitivanje</a:t>
+                      </a:r>
+                      <a:r>
+                        <a:rPr lang="en-GB" sz="1900" dirty="0" smtClean="0"/>
+                        <a:t> </a:t>
+                      </a:r>
+                      <a:r>
+                        <a:rPr lang="en-GB" sz="1900" dirty="0" err="1" smtClean="0"/>
+                        <a:t>funkcije</a:t>
+                      </a:r>
+                      <a:r>
+                        <a:rPr lang="en-GB" sz="1900" dirty="0" smtClean="0"/>
+                        <a:t> </a:t>
+                      </a:r>
+                      <a:r>
+                        <a:rPr lang="en-GB" sz="1900" i="1" dirty="0" err="1" smtClean="0"/>
+                        <a:t>emailRegexCheck</a:t>
+                      </a:r>
+                      <a:endParaRPr lang="en-GB" sz="1900" i="1" dirty="0" smtClean="0"/>
+                    </a:p>
+                  </a:txBody>
+                  <a:tcPr/>
+                </a:tc>
+                <a:tc>
+                  <a:txBody>
+                    <a:bodyPr/>
+                    <a:lstStyle/>
+                    <a:p>
+                      <a:endParaRPr lang="en-US"/>
+                    </a:p>
+                  </a:txBody>
+                  <a:tcPr/>
+                </a:tc>
+                <a:extLst>
+                  <a:ext uri="{0D108BD9-81ED-4DB2-BD59-A6C34878D82A}">
+                    <a16:rowId xmlns:a16="http://schemas.microsoft.com/office/drawing/2014/main" val="3424828860"/>
+                  </a:ext>
+                </a:extLst>
+              </a:tr>
+              <a:tr h="370840">
+                <a:tc>
+                  <a:txBody>
+                    <a:bodyPr/>
+                    <a:lstStyle/>
+                    <a:p>
+                      <a:pPr lvl="1" algn="l">
+                        <a:lnSpc>
+                          <a:spcPct val="100000"/>
+                        </a:lnSpc>
+                      </a:pPr>
+                      <a:r>
+                        <a:rPr lang="en-GB" sz="1900" dirty="0" err="1" smtClean="0"/>
+                        <a:t>Ispitivanje</a:t>
+                      </a:r>
+                      <a:r>
+                        <a:rPr lang="en-GB" sz="1900" dirty="0" smtClean="0"/>
+                        <a:t> </a:t>
+                      </a:r>
+                      <a:r>
+                        <a:rPr lang="en-GB" sz="1900" dirty="0" err="1" smtClean="0"/>
+                        <a:t>funkcije</a:t>
+                      </a:r>
+                      <a:r>
+                        <a:rPr lang="en-GB" sz="1900" dirty="0" smtClean="0"/>
+                        <a:t> </a:t>
+                      </a:r>
+                      <a:r>
+                        <a:rPr lang="en-GB" sz="1900" i="1" dirty="0" err="1" smtClean="0"/>
+                        <a:t>validateCoordinates</a:t>
+                      </a:r>
+                      <a:endParaRPr lang="en-GB" sz="1900" i="1" dirty="0" smtClean="0"/>
+                    </a:p>
+                  </a:txBody>
+                  <a:tcPr/>
+                </a:tc>
+                <a:tc>
+                  <a:txBody>
+                    <a:bodyPr/>
+                    <a:lstStyle/>
+                    <a:p>
+                      <a:endParaRPr lang="en-US"/>
+                    </a:p>
+                  </a:txBody>
+                  <a:tcPr/>
+                </a:tc>
+                <a:extLst>
+                  <a:ext uri="{0D108BD9-81ED-4DB2-BD59-A6C34878D82A}">
+                    <a16:rowId xmlns:a16="http://schemas.microsoft.com/office/drawing/2014/main" val="3388816109"/>
+                  </a:ext>
+                </a:extLst>
+              </a:tr>
+              <a:tr h="370840">
+                <a:tc>
+                  <a:txBody>
+                    <a:bodyPr/>
+                    <a:lstStyle/>
+                    <a:p>
+                      <a:pPr lvl="1" algn="l">
+                        <a:lnSpc>
+                          <a:spcPct val="100000"/>
+                        </a:lnSpc>
+                      </a:pPr>
+                      <a:r>
+                        <a:rPr lang="en-GB" sz="1900" dirty="0" err="1" smtClean="0"/>
+                        <a:t>Ispitivanje</a:t>
+                      </a:r>
+                      <a:r>
+                        <a:rPr lang="en-GB" sz="1900" dirty="0" smtClean="0"/>
+                        <a:t> </a:t>
+                      </a:r>
+                      <a:r>
+                        <a:rPr lang="en-GB" sz="1900" dirty="0" err="1" smtClean="0"/>
+                        <a:t>funkcije</a:t>
+                      </a:r>
+                      <a:r>
+                        <a:rPr lang="en-GB" sz="1900" dirty="0" smtClean="0"/>
+                        <a:t> </a:t>
+                      </a:r>
+                      <a:r>
+                        <a:rPr lang="en-GB" sz="1900" i="1" dirty="0" err="1" smtClean="0"/>
+                        <a:t>putRemoveFromAction</a:t>
+                      </a:r>
+                      <a:endParaRPr lang="en-GB" sz="1900" i="1" dirty="0"/>
+                    </a:p>
+                  </a:txBody>
+                  <a:tcPr/>
+                </a:tc>
+                <a:tc>
+                  <a:txBody>
+                    <a:bodyPr/>
+                    <a:lstStyle/>
+                    <a:p>
+                      <a:endParaRPr lang="en-US" dirty="0"/>
+                    </a:p>
+                  </a:txBody>
+                  <a:tcPr/>
+                </a:tc>
+                <a:extLst>
+                  <a:ext uri="{0D108BD9-81ED-4DB2-BD59-A6C34878D82A}">
+                    <a16:rowId xmlns:a16="http://schemas.microsoft.com/office/drawing/2014/main" val="256868998"/>
+                  </a:ext>
+                </a:extLst>
+              </a:tr>
+            </a:tbl>
+          </a:graphicData>
+        </a:graphic>
+      </p:graphicFrame>
     </p:spTree>
     <p:extLst>
       <p:ext uri="{BB962C8B-B14F-4D97-AF65-F5344CB8AC3E}">
@@ -5675,6 +5985,13 @@
   <p:clrMapOvr>
     <a:masterClrMapping/>
   </p:clrMapOvr>
+  <p:timing>
+    <p:tnLst>
+      <p:par>
+        <p:cTn id="1" dur="indefinite" restart="never" nodeType="tmRoot"/>
+      </p:par>
+    </p:tnLst>
+  </p:timing>
 </p:sld>
 </file>
 
@@ -5755,8 +6072,16 @@
               <a:t>Frontend: React, </a:t>
             </a:r>
             <a:r>
-              <a:rPr lang="en-GB" sz="2000" dirty="0" err="1"/>
-              <a:t>Javascript</a:t>
+              <a:rPr lang="en-GB" sz="2000" dirty="0" smtClean="0"/>
+              <a:t>Java</a:t>
+            </a:r>
+            <a:r>
+              <a:rPr lang="hr-HR" sz="2000" dirty="0" smtClean="0"/>
+              <a:t>S</a:t>
+            </a:r>
+            <a:r>
+              <a:rPr lang="en-GB" sz="2000" dirty="0" err="1" smtClean="0"/>
+              <a:t>cript</a:t>
             </a:r>
             <a:endParaRPr lang="en-GB" sz="2000" dirty="0"/>
           </a:p>
@@ -5768,17 +6093,12 @@
             </a:pPr>
             <a:r>
               <a:rPr lang="en-GB" sz="2000" dirty="0"/>
-              <a:t>Backend: Spring Boot, Java</a:t>
-            </a:r>
-            <a:endParaRPr lang="en-US" sz="2000" dirty="0"/>
-          </a:p>
-          <a:p>
-            <a:pPr marL="457200" lvl="1" indent="0">
-              <a:lnSpc>
-                <a:spcPct val="100000"/>
-              </a:lnSpc>
-              <a:buNone/>
-            </a:pPr>
+              <a:t>Backend: Spring Boot, </a:t>
+            </a:r>
+            <a:r>
+              <a:rPr lang="en-GB" sz="2000" dirty="0" smtClean="0"/>
+              <a:t>Java</a:t>
+            </a:r>
             <a:endParaRPr lang="hr-HR" sz="2000" dirty="0"/>
           </a:p>
           <a:p>
@@ -5801,8 +6121,13 @@
             </a:r>
             <a:r>
               <a:rPr lang="en-GB" sz="2400" dirty="0"/>
-              <a:t>: Render, Visual Studio Code, IntelliJ IDEA.</a:t>
-            </a:r>
+              <a:t>: Render, Visual Studio Code, IntelliJ </a:t>
+            </a:r>
+            <a:r>
+              <a:rPr lang="en-GB" sz="2400" dirty="0" smtClean="0"/>
+              <a:t>IDEA</a:t>
+            </a:r>
+            <a:endParaRPr lang="en-GB" sz="2400" dirty="0"/>
           </a:p>
           <a:p>
             <a:pPr>
@@ -5914,6 +6239,13 @@
   <p:clrMapOvr>
     <a:masterClrMapping/>
   </p:clrMapOvr>
+  <p:timing>
+    <p:tnLst>
+      <p:par>
+        <p:cTn id="1" dur="indefinite" restart="never" nodeType="tmRoot"/>
+      </p:par>
+    </p:tnLst>
+  </p:timing>
 </p:sld>
 </file>
 
@@ -5953,6 +6285,135 @@
               <a:rPr lang="hr-HR" dirty="0"/>
               <a:t>Organizacija rada</a:t>
             </a:r>
+            <a:endParaRPr lang="en-US" dirty="0"/>
+          </a:p>
+        </p:txBody>
+      </p:sp>
+      <p:sp>
+        <p:nvSpPr>
+          <p:cNvPr id="3" name="Content Placeholder 2"/>
+          <p:cNvSpPr>
+            <a:spLocks noGrp="1"/>
+          </p:cNvSpPr>
+          <p:nvPr>
+            <p:ph idx="1"/>
+          </p:nvPr>
+        </p:nvSpPr>
+        <p:spPr/>
+        <p:txBody>
+          <a:bodyPr>
+            <a:normAutofit fontScale="92500"/>
+          </a:bodyPr>
+          <a:lstStyle/>
+          <a:p>
+            <a:r>
+              <a:rPr lang="hr-HR" dirty="0"/>
+              <a:t>Generalna vremenska crta projekta:</a:t>
+            </a:r>
+          </a:p>
+          <a:p>
+            <a:pPr marL="514350" indent="-514350">
+              <a:buFont typeface="+mj-lt"/>
+              <a:buAutoNum type="arabicPeriod"/>
+            </a:pPr>
+            <a:r>
+              <a:rPr lang="hr-HR" sz="2200" dirty="0"/>
+              <a:t>Jasno definiran opis projekta</a:t>
+            </a:r>
+          </a:p>
+          <a:p>
+            <a:pPr marL="514350" indent="-514350">
+              <a:buFont typeface="+mj-lt"/>
+              <a:buAutoNum type="arabicPeriod"/>
+            </a:pPr>
+            <a:r>
+              <a:rPr lang="hr-HR" sz="2200" dirty="0"/>
+              <a:t>Razrada specifikacije projekta: funkcionalni i nefunkcionalni zahtjevi</a:t>
+            </a:r>
+          </a:p>
+          <a:p>
+            <a:pPr marL="514350" indent="-514350">
+              <a:buFont typeface="+mj-lt"/>
+              <a:buAutoNum type="arabicPeriod"/>
+            </a:pPr>
+            <a:r>
+              <a:rPr lang="hr-HR" sz="2200" dirty="0"/>
+              <a:t>Razrada arhitekture sustava, stvaranje baze, implementacija prijave i registracije</a:t>
+            </a:r>
+          </a:p>
+          <a:p>
+            <a:pPr marL="514350" indent="-514350">
+              <a:buAutoNum type="arabicPeriod" startAt="4"/>
+            </a:pPr>
+            <a:r>
+              <a:rPr lang="hr-HR" sz="2200" dirty="0" err="1"/>
+              <a:t>Deploy</a:t>
+            </a:r>
+            <a:r>
+              <a:rPr lang="hr-HR" sz="2200" dirty="0"/>
+              <a:t> prve predaje</a:t>
+            </a:r>
+          </a:p>
+          <a:p>
+            <a:pPr marL="514350" indent="-514350">
+              <a:buAutoNum type="arabicPeriod" startAt="4"/>
+            </a:pPr>
+            <a:r>
+              <a:rPr lang="hr-HR" sz="2200" dirty="0"/>
+              <a:t>Implementacija funkcionalnosti projekta</a:t>
+            </a:r>
+          </a:p>
+          <a:p>
+            <a:pPr marL="514350" indent="-514350">
+              <a:buAutoNum type="arabicPeriod" startAt="4"/>
+            </a:pPr>
+            <a:r>
+              <a:rPr lang="hr-HR" sz="2200" dirty="0"/>
+              <a:t>Dokumentiranje završetka projekta i donošenje zaključaka</a:t>
+            </a:r>
+          </a:p>
+          <a:p>
+            <a:pPr marL="514350" indent="-514350">
+              <a:buAutoNum type="arabicPeriod" startAt="4"/>
+            </a:pPr>
+            <a:r>
+              <a:rPr lang="hr-HR" sz="2200" dirty="0" err="1"/>
+              <a:t>Deploy</a:t>
+            </a:r>
+            <a:r>
+              <a:rPr lang="hr-HR" sz="2200" dirty="0"/>
+              <a:t> druge </a:t>
+            </a:r>
+            <a:r>
+              <a:rPr lang="hr-HR" sz="2200" dirty="0" smtClean="0"/>
+              <a:t>predaje</a:t>
+            </a:r>
+          </a:p>
+          <a:p>
+            <a:pPr marL="0" indent="0">
+              <a:buNone/>
+            </a:pPr>
+            <a:endParaRPr lang="hr-HR" dirty="0" smtClean="0"/>
+          </a:p>
+          <a:p>
+            <a:r>
+              <a:rPr lang="hr-HR" dirty="0" smtClean="0"/>
+              <a:t>Provedeni proces je najsličniji </a:t>
+            </a:r>
+            <a:r>
+              <a:rPr lang="hr-HR" dirty="0" err="1" smtClean="0"/>
+              <a:t>vodopadnom</a:t>
+            </a:r>
+            <a:r>
+              <a:rPr lang="hr-HR" dirty="0" smtClean="0"/>
+              <a:t> modelu</a:t>
+            </a:r>
+          </a:p>
+          <a:p>
+            <a:pPr marL="514350" indent="-514350">
+              <a:buAutoNum type="arabicPeriod" startAt="4"/>
+            </a:pPr>
+            <a:endParaRPr lang="en-US" dirty="0"/>
           </a:p>
         </p:txBody>
       </p:sp>
@@ -5979,46 +6440,10 @@
           </a:p>
         </p:txBody>
       </p:sp>
-      <p:pic>
-        <p:nvPicPr>
-          <p:cNvPr id="6" name="Picture 5" descr="A white rectangular grid with black text&#10;&#10;Description automatically generated">
-            <a:extLst>
-              <a:ext uri="{FF2B5EF4-FFF2-40B4-BE49-F238E27FC236}">
-                <a16:creationId xmlns:a16="http://schemas.microsoft.com/office/drawing/2014/main" id="{A283C56F-D059-CF1E-E40C-D3BE0F993871}"/>
-              </a:ext>
-            </a:extLst>
-          </p:cNvPr>
-          <p:cNvPicPr>
-            <a:picLocks noChangeAspect="1"/>
-          </p:cNvPicPr>
-          <p:nvPr/>
-        </p:nvPicPr>
-        <p:blipFill>
-          <a:blip r:embed="rId2">
-            <a:extLst>
-              <a:ext uri="{28A0092B-C50C-407E-A947-70E740481C1C}">
-                <a14:useLocalDpi xmlns:a14="http://schemas.microsoft.com/office/drawing/2010/main" val="0"/>
-              </a:ext>
-            </a:extLst>
-          </a:blip>
-          <a:stretch>
-            <a:fillRect/>
-          </a:stretch>
-        </p:blipFill>
-        <p:spPr>
-          <a:xfrm>
-            <a:off x="2323905" y="1363835"/>
-            <a:ext cx="4496190" cy="5311600"/>
-          </a:xfrm>
-          <a:prstGeom prst="rect">
-            <a:avLst/>
-          </a:prstGeom>
-        </p:spPr>
-      </p:pic>
     </p:spTree>
     <p:extLst>
       <p:ext uri="{BB962C8B-B14F-4D97-AF65-F5344CB8AC3E}">
-        <p14:creationId xmlns:p14="http://schemas.microsoft.com/office/powerpoint/2010/main" val="4285223946"/>
+        <p14:creationId xmlns:p14="http://schemas.microsoft.com/office/powerpoint/2010/main" val="827666389"/>
       </p:ext>
     </p:extLst>
   </p:cSld>
@@ -6092,7 +6517,42 @@
       </p:sp>
       <p:pic>
         <p:nvPicPr>
-          <p:cNvPr id="8" name="Picture 7" descr="A white rectangular grid with black text&#10;&#10;Description automatically generated">
+          <p:cNvPr id="6" name="Picture 5" descr="A white rectangular grid with black text&#10;&#10;Description automatically generated">
+            <a:extLst>
+              <a:ext uri="{FF2B5EF4-FFF2-40B4-BE49-F238E27FC236}">
+                <a16:creationId xmlns:a16="http://schemas.microsoft.com/office/drawing/2014/main" id="{A283C56F-D059-CF1E-E40C-D3BE0F993871}"/>
+              </a:ext>
+            </a:extLst>
+          </p:cNvPr>
+          <p:cNvPicPr>
+            <a:picLocks noChangeAspect="1"/>
+          </p:cNvPicPr>
+          <p:nvPr/>
+        </p:nvPicPr>
+        <p:blipFill rotWithShape="1">
+          <a:blip r:embed="rId2">
+            <a:extLst>
+              <a:ext uri="{28A0092B-C50C-407E-A947-70E740481C1C}">
+                <a14:useLocalDpi xmlns:a14="http://schemas.microsoft.com/office/drawing/2010/main" val="0"/>
+              </a:ext>
+            </a:extLst>
+          </a:blip>
+          <a:srcRect t="-518" b="1"/>
+          <a:stretch/>
+        </p:blipFill>
+        <p:spPr>
+          <a:xfrm>
+            <a:off x="0" y="1348594"/>
+            <a:ext cx="4496190" cy="5311600"/>
+          </a:xfrm>
+          <a:prstGeom prst="rect">
+            <a:avLst/>
+          </a:prstGeom>
+        </p:spPr>
+      </p:pic>
+      <p:pic>
+        <p:nvPicPr>
+          <p:cNvPr id="5" name="Picture 4" descr="A white rectangular grid with black text&#10;&#10;Description automatically generated">
             <a:extLst>
               <a:ext uri="{FF2B5EF4-FFF2-40B4-BE49-F238E27FC236}">
                 <a16:creationId xmlns:a16="http://schemas.microsoft.com/office/drawing/2014/main" id="{D95F68E9-BC1A-1FA1-74DA-024508791E6B}"/>
@@ -6105,7 +6565,7 @@
           <p:nvPr/>
         </p:nvPicPr>
         <p:blipFill>
-          <a:blip r:embed="rId2">
+          <a:blip r:embed="rId3">
             <a:extLst>
               <a:ext uri="{28A0092B-C50C-407E-A947-70E740481C1C}">
                 <a14:useLocalDpi xmlns:a14="http://schemas.microsoft.com/office/drawing/2010/main" val="0"/>
@@ -6118,7 +6578,7 @@
         </p:blipFill>
         <p:spPr>
           <a:xfrm>
-            <a:off x="2293422" y="1496954"/>
+            <a:off x="4496190" y="1379076"/>
             <a:ext cx="4557155" cy="5281118"/>
           </a:xfrm>
           <a:prstGeom prst="rect">
@@ -6129,13 +6589,20 @@
     </p:spTree>
     <p:extLst>
       <p:ext uri="{BB962C8B-B14F-4D97-AF65-F5344CB8AC3E}">
-        <p14:creationId xmlns:p14="http://schemas.microsoft.com/office/powerpoint/2010/main" val="1736269928"/>
+        <p14:creationId xmlns:p14="http://schemas.microsoft.com/office/powerpoint/2010/main" val="4285223946"/>
       </p:ext>
     </p:extLst>
   </p:cSld>
   <p:clrMapOvr>
     <a:masterClrMapping/>
   </p:clrMapOvr>
+  <p:timing>
+    <p:tnLst>
+      <p:par>
+        <p:cTn id="1" dur="indefinite" restart="never" nodeType="tmRoot"/>
+      </p:par>
+    </p:tnLst>
+  </p:timing>
 </p:sld>
 </file>
 
@@ -6194,146 +6661,40 @@
           <a:lstStyle/>
           <a:p>
             <a:r>
+              <a:rPr lang="hr-HR" dirty="0" smtClean="0">
+                <a:sym typeface="Wingdings" panose="05000000000000000000" pitchFamily="2" charset="2"/>
+              </a:rPr>
+              <a:t>Novostečena znanja </a:t>
+            </a:r>
+            <a:r>
+              <a:rPr lang="en-GB" dirty="0" err="1" smtClean="0">
+                <a:sym typeface="Wingdings" panose="05000000000000000000" pitchFamily="2" charset="2"/>
+              </a:rPr>
+              <a:t>korišten</a:t>
+            </a:r>
+            <a:r>
+              <a:rPr lang="hr-HR" dirty="0" smtClean="0">
+                <a:sym typeface="Wingdings" panose="05000000000000000000" pitchFamily="2" charset="2"/>
+              </a:rPr>
+              <a:t>ja web radnih okvira </a:t>
+            </a:r>
+            <a:r>
+              <a:rPr lang="en-GB" dirty="0" smtClean="0">
+                <a:sym typeface="Wingdings" panose="05000000000000000000" pitchFamily="2" charset="2"/>
+              </a:rPr>
+              <a:t>(Spring </a:t>
+            </a:r>
+            <a:r>
               <a:rPr lang="en-GB" dirty="0">
                 <a:sym typeface="Wingdings" panose="05000000000000000000" pitchFamily="2" charset="2"/>
               </a:rPr>
-              <a:t> </a:t>
-            </a:r>
-            <a:r>
-              <a:rPr lang="en-GB" dirty="0" err="1">
+              <a:t>Boot, </a:t>
+            </a:r>
+            <a:r>
+              <a:rPr lang="en-GB" dirty="0" smtClean="0">
                 <a:sym typeface="Wingdings" panose="05000000000000000000" pitchFamily="2" charset="2"/>
               </a:rPr>
-              <a:t>Bolji</a:t>
-            </a:r>
-            <a:r>
-              <a:rPr lang="en-GB" dirty="0">
-                <a:sym typeface="Wingdings" panose="05000000000000000000" pitchFamily="2" charset="2"/>
-              </a:rPr>
-              <a:t> </a:t>
-            </a:r>
-            <a:r>
-              <a:rPr lang="en-GB" dirty="0" err="1">
-                <a:sym typeface="Wingdings" panose="05000000000000000000" pitchFamily="2" charset="2"/>
-              </a:rPr>
-              <a:t>timski</a:t>
-            </a:r>
-            <a:r>
-              <a:rPr lang="en-GB" dirty="0">
-                <a:sym typeface="Wingdings" panose="05000000000000000000" pitchFamily="2" charset="2"/>
-              </a:rPr>
-              <a:t> rad</a:t>
-            </a:r>
-          </a:p>
-          <a:p>
-            <a:r>
-              <a:rPr lang="en-GB" dirty="0">
-                <a:sym typeface="Wingdings" panose="05000000000000000000" pitchFamily="2" charset="2"/>
-              </a:rPr>
-              <a:t> </a:t>
-            </a:r>
-            <a:r>
-              <a:rPr lang="en-GB" dirty="0" err="1">
-                <a:sym typeface="Wingdings" panose="05000000000000000000" pitchFamily="2" charset="2"/>
-              </a:rPr>
-              <a:t>Bolje</a:t>
-            </a:r>
-            <a:r>
-              <a:rPr lang="en-GB" dirty="0">
-                <a:sym typeface="Wingdings" panose="05000000000000000000" pitchFamily="2" charset="2"/>
-              </a:rPr>
-              <a:t> </a:t>
-            </a:r>
-            <a:r>
-              <a:rPr lang="en-GB" dirty="0" err="1">
-                <a:sym typeface="Wingdings" panose="05000000000000000000" pitchFamily="2" charset="2"/>
-              </a:rPr>
-              <a:t>poznavanje</a:t>
-            </a:r>
-            <a:r>
-              <a:rPr lang="en-GB" dirty="0">
-                <a:sym typeface="Wingdings" panose="05000000000000000000" pitchFamily="2" charset="2"/>
-              </a:rPr>
-              <a:t> </a:t>
-            </a:r>
-            <a:r>
-              <a:rPr lang="en-GB" dirty="0" err="1">
-                <a:sym typeface="Wingdings" panose="05000000000000000000" pitchFamily="2" charset="2"/>
-              </a:rPr>
-              <a:t>korištene</a:t>
-            </a:r>
-            <a:r>
-              <a:rPr lang="en-GB" dirty="0">
-                <a:sym typeface="Wingdings" panose="05000000000000000000" pitchFamily="2" charset="2"/>
-              </a:rPr>
-              <a:t> </a:t>
-            </a:r>
-            <a:r>
-              <a:rPr lang="en-GB" dirty="0" err="1">
-                <a:sym typeface="Wingdings" panose="05000000000000000000" pitchFamily="2" charset="2"/>
-              </a:rPr>
-              <a:t>programske</a:t>
-            </a:r>
-            <a:r>
-              <a:rPr lang="en-GB" dirty="0">
-                <a:sym typeface="Wingdings" panose="05000000000000000000" pitchFamily="2" charset="2"/>
-              </a:rPr>
-              <a:t> </a:t>
-            </a:r>
-            <a:r>
-              <a:rPr lang="en-GB" dirty="0" err="1">
-                <a:sym typeface="Wingdings" panose="05000000000000000000" pitchFamily="2" charset="2"/>
-              </a:rPr>
-              <a:t>podrške</a:t>
-            </a:r>
-            <a:r>
-              <a:rPr lang="en-GB" dirty="0">
-                <a:sym typeface="Wingdings" panose="05000000000000000000" pitchFamily="2" charset="2"/>
-              </a:rPr>
-              <a:t> (</a:t>
-            </a:r>
-            <a:r>
-              <a:rPr lang="en-GB" dirty="0" err="1">
-                <a:sym typeface="Wingdings" panose="05000000000000000000" pitchFamily="2" charset="2"/>
-              </a:rPr>
-              <a:t>npr</a:t>
-            </a:r>
-            <a:r>
-              <a:rPr lang="en-GB" dirty="0">
-                <a:sym typeface="Wingdings" panose="05000000000000000000" pitchFamily="2" charset="2"/>
-              </a:rPr>
-              <a:t>. Spring Boot, React </a:t>
-            </a:r>
-            <a:r>
-              <a:rPr lang="en-GB" dirty="0" err="1">
-                <a:sym typeface="Wingdings" panose="05000000000000000000" pitchFamily="2" charset="2"/>
-              </a:rPr>
-              <a:t>itd</a:t>
-            </a:r>
-            <a:r>
-              <a:rPr lang="en-GB" dirty="0">
-                <a:sym typeface="Wingdings" panose="05000000000000000000" pitchFamily="2" charset="2"/>
-              </a:rPr>
-              <a:t>.)</a:t>
-            </a:r>
-          </a:p>
-          <a:p>
-            <a:r>
-              <a:rPr lang="en-GB" dirty="0" err="1">
-                <a:sym typeface="Wingdings" panose="05000000000000000000" pitchFamily="2" charset="2"/>
-              </a:rPr>
-              <a:t>Organizacija</a:t>
-            </a:r>
-            <a:r>
-              <a:rPr lang="en-GB" dirty="0">
-                <a:sym typeface="Wingdings" panose="05000000000000000000" pitchFamily="2" charset="2"/>
-              </a:rPr>
-              <a:t> </a:t>
-            </a:r>
-            <a:r>
-              <a:rPr lang="en-GB" dirty="0" err="1">
-                <a:sym typeface="Wingdings" panose="05000000000000000000" pitchFamily="2" charset="2"/>
-              </a:rPr>
-              <a:t>tima</a:t>
+              <a:t>React)</a:t>
             </a:r>
             <a:endParaRPr lang="en-GB" dirty="0">
               <a:sym typeface="Wingdings" panose="05000000000000000000" pitchFamily="2" charset="2"/>
@@ -6341,40 +6702,30 @@
           </a:p>
           <a:p>
             <a:r>
-              <a:rPr lang="en-GB" dirty="0" err="1">
+              <a:rPr lang="hr-HR" dirty="0" smtClean="0">
                 <a:sym typeface="Wingdings" panose="05000000000000000000" pitchFamily="2" charset="2"/>
               </a:rPr>
-              <a:t>Bolje</a:t>
-            </a:r>
-            <a:r>
-              <a:rPr lang="en-GB" dirty="0">
+              <a:t>Primjena znanja o UML dijagramima u sklopu konkretnog projekta</a:t>
+            </a:r>
+          </a:p>
+          <a:p>
+            <a:r>
+              <a:rPr lang="hr-HR" dirty="0" smtClean="0">
                 <a:sym typeface="Wingdings" panose="05000000000000000000" pitchFamily="2" charset="2"/>
               </a:rPr>
-              <a:t> </a:t>
-            </a:r>
-            <a:r>
-              <a:rPr lang="en-GB" dirty="0" err="1">
-                <a:sym typeface="Wingdings" panose="05000000000000000000" pitchFamily="2" charset="2"/>
-              </a:rPr>
-              <a:t>poznavanje</a:t>
-            </a:r>
-            <a:r>
-              <a:rPr lang="en-GB" dirty="0">
-                <a:sym typeface="Wingdings" panose="05000000000000000000" pitchFamily="2" charset="2"/>
-              </a:rPr>
-              <a:t> UML </a:t>
-            </a:r>
-            <a:r>
-              <a:rPr lang="en-GB" dirty="0" err="1">
-                <a:sym typeface="Wingdings" panose="05000000000000000000" pitchFamily="2" charset="2"/>
-              </a:rPr>
-              <a:t>dijagrama</a:t>
+              <a:t>Razvijene vještine suradnje i koordinacije unutar tima</a:t>
             </a:r>
             <a:endParaRPr lang="en-GB" dirty="0">
               <a:sym typeface="Wingdings" panose="05000000000000000000" pitchFamily="2" charset="2"/>
             </a:endParaRPr>
           </a:p>
           <a:p>
+            <a:r>
+              <a:rPr lang="hr-HR" dirty="0" smtClean="0">
+                <a:sym typeface="Wingdings" panose="05000000000000000000" pitchFamily="2" charset="2"/>
+              </a:rPr>
+              <a:t>Naglašena važnost dobre organizacije</a:t>
+            </a:r>
             <a:endParaRPr lang="hr-HR" dirty="0">
               <a:sym typeface="Wingdings" panose="05000000000000000000" pitchFamily="2" charset="2"/>
             </a:endParaRPr>
@@ -6631,22 +6982,112 @@
             </a:r>
             <a:r>
               <a:rPr lang="en-US" sz="2400" dirty="0"/>
-              <a:t> - </a:t>
+              <a:t> </a:t>
+            </a:r>
+            <a:r>
+              <a:rPr lang="en-US" sz="2400" dirty="0" smtClean="0"/>
+              <a:t>– </a:t>
+            </a:r>
+            <a:r>
+              <a:rPr lang="en-US" sz="2400" dirty="0" err="1" smtClean="0"/>
+              <a:t>Voditelj</a:t>
+            </a:r>
+            <a:r>
+              <a:rPr lang="hr-HR" sz="2400" dirty="0" smtClean="0"/>
+              <a:t>, </a:t>
+            </a:r>
+            <a:r>
+              <a:rPr lang="hr-HR" sz="2400" dirty="0" err="1" smtClean="0"/>
+              <a:t>full</a:t>
+            </a:r>
+            <a:r>
+              <a:rPr lang="hr-HR" sz="2400" dirty="0" err="1" smtClean="0"/>
+              <a:t>-stack</a:t>
+            </a:r>
+            <a:r>
+              <a:rPr lang="hr-HR" sz="2400" dirty="0" smtClean="0"/>
+              <a:t> </a:t>
+            </a:r>
+            <a:r>
+              <a:rPr lang="hr-HR" sz="2400" dirty="0" err="1" smtClean="0"/>
+              <a:t>developer</a:t>
+            </a:r>
+            <a:endParaRPr lang="hr-HR" sz="2400" dirty="0" smtClean="0"/>
+          </a:p>
+          <a:p>
+            <a:r>
+              <a:rPr lang="en-US" sz="2400" dirty="0"/>
+              <a:t>Ana Vuksanović – </a:t>
+            </a:r>
+            <a:r>
+              <a:rPr lang="hr-HR" sz="2400" dirty="0" err="1"/>
+              <a:t>Lead</a:t>
+            </a:r>
+            <a:r>
+              <a:rPr lang="hr-HR" sz="2400" dirty="0"/>
+              <a:t> </a:t>
+            </a:r>
+            <a:r>
+              <a:rPr lang="hr-HR" sz="2400" dirty="0" err="1"/>
+              <a:t>frontend</a:t>
+            </a:r>
+            <a:r>
+              <a:rPr lang="hr-HR" sz="2400" dirty="0"/>
+              <a:t> </a:t>
+            </a:r>
+            <a:r>
+              <a:rPr lang="hr-HR" sz="2400" dirty="0" err="1" smtClean="0"/>
+              <a:t>developer</a:t>
+            </a:r>
+            <a:endParaRPr lang="hr-HR" sz="2400" dirty="0" smtClean="0"/>
+          </a:p>
+          <a:p>
+            <a:r>
+              <a:rPr lang="en-US" sz="2400" dirty="0"/>
+              <a:t>Lara </a:t>
             </a:r>
             <a:r>
               <a:rPr lang="en-US" sz="2400" dirty="0" err="1"/>
-              <a:t>Voditelj</a:t>
+              <a:t>Ćorić</a:t>
+            </a:r>
+            <a:r>
+              <a:rPr lang="en-US" sz="2400" dirty="0"/>
+              <a:t> – </a:t>
+            </a:r>
+            <a:r>
+              <a:rPr lang="hr-HR" sz="2400" dirty="0" err="1"/>
+              <a:t>Frontend</a:t>
+            </a:r>
+            <a:r>
+              <a:rPr lang="hr-HR" sz="2400" dirty="0"/>
+              <a:t> </a:t>
+            </a:r>
+            <a:r>
+              <a:rPr lang="hr-HR" sz="2400" dirty="0" err="1" smtClean="0"/>
+              <a:t>developer</a:t>
             </a:r>
             <a:endParaRPr lang="en-US" sz="2400" dirty="0"/>
           </a:p>
           <a:p>
             <a:r>
+              <a:rPr lang="en-US" sz="2400" dirty="0" smtClean="0"/>
+              <a:t>Marko </a:t>
+            </a:r>
+            <a:r>
               <a:rPr lang="en-US" sz="2400" dirty="0"/>
-              <a:t>Marko Pavić – BE </a:t>
-            </a:r>
-            <a:r>
-              <a:rPr lang="en-US" sz="2400" dirty="0" err="1"/>
-              <a:t>Inžinjer</a:t>
+              <a:t>Pavić – </a:t>
+            </a:r>
+            <a:r>
+              <a:rPr lang="hr-HR" sz="2400" dirty="0" err="1" smtClean="0"/>
+              <a:t>Backend</a:t>
+            </a:r>
+            <a:r>
+              <a:rPr lang="hr-HR" sz="2400" dirty="0" smtClean="0"/>
+              <a:t> </a:t>
+            </a:r>
+            <a:r>
+              <a:rPr lang="hr-HR" sz="2400" dirty="0" err="1" smtClean="0"/>
+              <a:t>developer</a:t>
             </a:r>
             <a:endParaRPr lang="en-US" sz="2400" dirty="0"/>
           </a:p>
@@ -6671,40 +7112,7 @@
           </a:p>
           <a:p>
             <a:r>
-              <a:rPr lang="en-US" sz="2400" dirty="0"/>
-              <a:t>Lara </a:t>
-            </a:r>
-            <a:r>
-              <a:rPr lang="en-US" sz="2400" dirty="0" err="1"/>
-              <a:t>Ćorić</a:t>
-            </a:r>
-            <a:r>
-              <a:rPr lang="en-US" sz="2400" dirty="0"/>
-              <a:t> – FE </a:t>
-            </a:r>
-            <a:r>
-              <a:rPr lang="en-US" sz="2400" dirty="0" err="1"/>
-              <a:t>Inžinjer</a:t>
-            </a:r>
-            <a:endParaRPr lang="en-US" sz="2400" dirty="0"/>
-          </a:p>
-          <a:p>
-            <a:r>
-              <a:rPr lang="en-US" sz="2400" dirty="0"/>
-              <a:t>Ana </a:t>
-            </a:r>
-            <a:r>
-              <a:rPr lang="en-US" sz="2400" dirty="0" err="1"/>
-              <a:t>Vuksanović</a:t>
-            </a:r>
-            <a:r>
-              <a:rPr lang="en-US" sz="2400" dirty="0"/>
-              <a:t> – FE Lead </a:t>
-            </a:r>
-          </a:p>
-          <a:p>
-            <a:r>
-              <a:rPr lang="en-GB" sz="2400" dirty="0"/>
+              <a:rPr lang="en-GB" sz="2400" dirty="0" smtClean="0"/>
               <a:t>Katarina </a:t>
             </a:r>
             <a:r>
@@ -6984,11 +7392,11 @@
               <a:t> u </a:t>
             </a:r>
             <a:r>
-              <a:rPr lang="en-GB" sz="2400" dirty="0" err="1"/>
-              <a:t>sličnim</a:t>
-            </a:r>
-            <a:r>
-              <a:rPr lang="en-GB" sz="2400" dirty="0"/>
+              <a:rPr lang="hr-HR" sz="2400" dirty="0" smtClean="0"/>
+              <a:t>navedenim</a:t>
+            </a:r>
+            <a:r>
+              <a:rPr lang="en-GB" sz="2400" dirty="0" smtClean="0"/>
               <a:t> </a:t>
             </a:r>
             <a:r>
@@ -7374,188 +7782,200 @@
           </a:bodyPr>
           <a:lstStyle/>
           <a:p>
-            <a:r>
-              <a:rPr lang="en-GB" dirty="0" err="1"/>
+            <a:pPr marL="0" indent="0">
+              <a:buNone/>
+            </a:pPr>
+            <a:r>
+              <a:rPr lang="hr-HR" dirty="0" smtClean="0"/>
+              <a:t>Nefunkcionalni zahtjevi</a:t>
+            </a:r>
+          </a:p>
+          <a:p>
+            <a:r>
+              <a:rPr lang="en-GB" sz="2400" dirty="0" err="1" smtClean="0"/>
               <a:t>Implementirati</a:t>
             </a:r>
             <a:r>
-              <a:rPr lang="en-GB" dirty="0"/>
+              <a:rPr lang="en-GB" sz="2400" dirty="0" smtClean="0"/>
               <a:t> </a:t>
             </a:r>
             <a:r>
-              <a:rPr lang="en-GB" dirty="0" err="1"/>
+              <a:rPr lang="en-GB" sz="2400" dirty="0" err="1" smtClean="0"/>
               <a:t>koristeći</a:t>
             </a:r>
             <a:r>
-              <a:rPr lang="en-GB" dirty="0"/>
+              <a:rPr lang="en-GB" sz="2400" dirty="0" smtClean="0"/>
               <a:t> </a:t>
             </a:r>
             <a:r>
-              <a:rPr lang="en-GB" dirty="0" err="1"/>
+              <a:rPr lang="en-GB" sz="2400" dirty="0" err="1" smtClean="0"/>
               <a:t>objektno-orijentirane</a:t>
             </a:r>
             <a:r>
-              <a:rPr lang="en-GB" dirty="0"/>
+              <a:rPr lang="en-GB" sz="2400" dirty="0" smtClean="0"/>
               <a:t> </a:t>
             </a:r>
             <a:r>
-              <a:rPr lang="en-GB" dirty="0" err="1"/>
+              <a:rPr lang="en-GB" sz="2400" dirty="0" err="1" smtClean="0"/>
               <a:t>jezike</a:t>
             </a:r>
-            <a:r>
-              <a:rPr lang="en-GB" dirty="0"/>
-              <a:t>.</a:t>
-            </a:r>
-          </a:p>
-          <a:p>
-            <a:r>
-              <a:rPr lang="en-GB" dirty="0" err="1"/>
+            <a:endParaRPr lang="en-GB" sz="2400" dirty="0" smtClean="0"/>
+          </a:p>
+          <a:p>
+            <a:r>
+              <a:rPr lang="en-GB" sz="2400" dirty="0" err="1" smtClean="0"/>
               <a:t>Korisničko</a:t>
             </a:r>
             <a:r>
-              <a:rPr lang="en-GB" dirty="0"/>
+              <a:rPr lang="en-GB" sz="2400" dirty="0" smtClean="0"/>
               <a:t> </a:t>
             </a:r>
             <a:r>
-              <a:rPr lang="en-GB" dirty="0" err="1"/>
+              <a:rPr lang="en-GB" sz="2400" dirty="0" err="1" smtClean="0"/>
               <a:t>sučelje</a:t>
             </a:r>
             <a:r>
-              <a:rPr lang="en-GB" dirty="0"/>
+              <a:rPr lang="en-GB" sz="2400" dirty="0" smtClean="0"/>
               <a:t> </a:t>
             </a:r>
             <a:r>
-              <a:rPr lang="en-GB" dirty="0" err="1"/>
+              <a:rPr lang="en-GB" sz="2400" dirty="0" err="1" smtClean="0"/>
               <a:t>treba</a:t>
             </a:r>
             <a:r>
-              <a:rPr lang="en-GB" dirty="0"/>
+              <a:rPr lang="en-GB" sz="2400" dirty="0" smtClean="0"/>
               <a:t> </a:t>
             </a:r>
             <a:r>
-              <a:rPr lang="en-GB" dirty="0" err="1"/>
+              <a:rPr lang="en-GB" sz="2400" dirty="0" err="1" smtClean="0"/>
               <a:t>podržavati</a:t>
             </a:r>
             <a:r>
-              <a:rPr lang="en-GB" dirty="0"/>
+              <a:rPr lang="en-GB" sz="2400" dirty="0" smtClean="0"/>
               <a:t> </a:t>
             </a:r>
             <a:r>
-              <a:rPr lang="en-GB" dirty="0" err="1"/>
+              <a:rPr lang="en-GB" sz="2400" dirty="0" err="1" smtClean="0"/>
               <a:t>hrvatski</a:t>
             </a:r>
             <a:r>
-              <a:rPr lang="en-GB" dirty="0"/>
+              <a:rPr lang="en-GB" sz="2400" dirty="0" smtClean="0"/>
               <a:t> </a:t>
             </a:r>
             <a:r>
-              <a:rPr lang="en-GB" dirty="0" err="1"/>
+              <a:rPr lang="en-GB" sz="2400" dirty="0" err="1" smtClean="0"/>
               <a:t>jezik</a:t>
             </a:r>
-            <a:endParaRPr lang="en-GB" dirty="0"/>
-          </a:p>
-          <a:p>
-            <a:r>
-              <a:rPr lang="en-GB" dirty="0" err="1"/>
+            <a:endParaRPr lang="en-GB" sz="2400" dirty="0" smtClean="0"/>
+          </a:p>
+          <a:p>
+            <a:r>
+              <a:rPr lang="en-GB" sz="2400" dirty="0" err="1" smtClean="0"/>
               <a:t>Obraniti</a:t>
             </a:r>
             <a:r>
-              <a:rPr lang="en-GB" dirty="0"/>
+              <a:rPr lang="en-GB" sz="2400" dirty="0" smtClean="0"/>
               <a:t> </a:t>
             </a:r>
             <a:r>
-              <a:rPr lang="en-GB" dirty="0" err="1"/>
+              <a:rPr lang="en-GB" sz="2400" dirty="0" err="1" smtClean="0"/>
               <a:t>sustava</a:t>
             </a:r>
             <a:r>
-              <a:rPr lang="en-GB" dirty="0"/>
+              <a:rPr lang="en-GB" sz="2400" dirty="0" smtClean="0"/>
               <a:t> od </a:t>
             </a:r>
             <a:r>
-              <a:rPr lang="en-GB" dirty="0" err="1"/>
+              <a:rPr lang="en-GB" sz="2400" dirty="0" err="1" smtClean="0"/>
               <a:t>pogrešnog</a:t>
             </a:r>
             <a:r>
-              <a:rPr lang="en-GB" dirty="0"/>
+              <a:rPr lang="en-GB" sz="2400" dirty="0" smtClean="0"/>
               <a:t> </a:t>
             </a:r>
             <a:r>
-              <a:rPr lang="en-GB" dirty="0" err="1"/>
+              <a:rPr lang="en-GB" sz="2400" dirty="0" err="1" smtClean="0"/>
               <a:t>korištenja</a:t>
             </a:r>
             <a:r>
-              <a:rPr lang="en-GB" dirty="0"/>
+              <a:rPr lang="en-GB" sz="2400" dirty="0" smtClean="0"/>
               <a:t> </a:t>
             </a:r>
             <a:r>
-              <a:rPr lang="en-GB" dirty="0" err="1"/>
+              <a:rPr lang="en-GB" sz="2400" dirty="0" err="1" smtClean="0"/>
               <a:t>korisničkog</a:t>
             </a:r>
             <a:r>
-              <a:rPr lang="en-GB" dirty="0"/>
+              <a:rPr lang="en-GB" sz="2400" dirty="0" smtClean="0"/>
               <a:t> </a:t>
             </a:r>
             <a:r>
-              <a:rPr lang="en-GB" dirty="0" err="1"/>
+              <a:rPr lang="en-GB" sz="2400" dirty="0" err="1" smtClean="0"/>
               <a:t>sučelja</a:t>
             </a:r>
-            <a:endParaRPr lang="en-GB" dirty="0"/>
-          </a:p>
-          <a:p>
-            <a:r>
-              <a:rPr lang="en-GB" dirty="0" err="1"/>
+            <a:endParaRPr lang="en-GB" sz="2400" dirty="0" smtClean="0"/>
+          </a:p>
+          <a:p>
+            <a:r>
+              <a:rPr lang="en-GB" sz="2400" dirty="0" err="1" smtClean="0"/>
               <a:t>Podržati</a:t>
             </a:r>
             <a:r>
-              <a:rPr lang="en-GB" dirty="0"/>
+              <a:rPr lang="en-GB" sz="2400" dirty="0" smtClean="0"/>
               <a:t> </a:t>
             </a:r>
             <a:r>
-              <a:rPr lang="en-GB" dirty="0" err="1"/>
+              <a:rPr lang="en-GB" sz="2400" dirty="0" err="1" smtClean="0"/>
               <a:t>veći</a:t>
             </a:r>
             <a:r>
-              <a:rPr lang="en-GB" dirty="0"/>
+              <a:rPr lang="en-GB" sz="2400" dirty="0" smtClean="0"/>
               <a:t> </a:t>
             </a:r>
             <a:r>
-              <a:rPr lang="en-GB" dirty="0" err="1"/>
+              <a:rPr lang="en-GB" sz="2400" dirty="0" err="1" smtClean="0"/>
               <a:t>broj</a:t>
             </a:r>
             <a:r>
-              <a:rPr lang="en-GB" dirty="0"/>
+              <a:rPr lang="en-GB" sz="2400" dirty="0" smtClean="0"/>
               <a:t> </a:t>
             </a:r>
             <a:r>
-              <a:rPr lang="en-GB" dirty="0" err="1"/>
+              <a:rPr lang="en-GB" sz="2400" dirty="0" err="1" smtClean="0"/>
               <a:t>korisnika</a:t>
             </a:r>
             <a:r>
-              <a:rPr lang="en-GB" dirty="0"/>
+              <a:rPr lang="en-GB" sz="2400" dirty="0" smtClean="0"/>
               <a:t> u </a:t>
             </a:r>
             <a:r>
-              <a:rPr lang="en-GB" dirty="0" err="1"/>
+              <a:rPr lang="en-GB" sz="2400" dirty="0" err="1" smtClean="0"/>
               <a:t>stvarnom</a:t>
             </a:r>
             <a:r>
-              <a:rPr lang="en-GB" dirty="0"/>
+              <a:rPr lang="en-GB" sz="2400" dirty="0" smtClean="0"/>
               <a:t> </a:t>
             </a:r>
             <a:r>
-              <a:rPr lang="en-GB" dirty="0" err="1"/>
+              <a:rPr lang="en-GB" sz="2400" dirty="0" err="1" smtClean="0"/>
               <a:t>vremenu</a:t>
             </a:r>
-            <a:r>
-              <a:rPr lang="en-GB" dirty="0"/>
-              <a:t>.</a:t>
-            </a:r>
-          </a:p>
-          <a:p>
-            <a:r>
-              <a:rPr lang="pl-PL" dirty="0"/>
-              <a:t>Pristup bazi podataka mora biti dobro zaštićen. </a:t>
-            </a:r>
+            <a:endParaRPr lang="en-GB" sz="2400" dirty="0" smtClean="0"/>
+          </a:p>
+          <a:p>
+            <a:r>
+              <a:rPr lang="pl-PL" sz="2400" dirty="0" smtClean="0"/>
+              <a:t>Pristup bazi podataka mora biti dobro zaštićen</a:t>
+            </a:r>
+          </a:p>
+          <a:p>
+            <a:r>
+              <a:rPr lang="pl-PL" sz="2400" dirty="0" smtClean="0"/>
+              <a:t>Proizvod treba biti spreman za promjene u budućnosti</a:t>
+            </a:r>
+            <a:endParaRPr lang="pl-PL" sz="2400" dirty="0" smtClean="0"/>
+          </a:p>
+          <a:p>
             <a:endParaRPr lang="en-GB" dirty="0"/>
           </a:p>
         </p:txBody>
@@ -7570,6 +7990,13 @@
   <p:clrMapOvr>
     <a:masterClrMapping/>
   </p:clrMapOvr>
+  <p:timing>
+    <p:tnLst>
+      <p:par>
+        <p:cTn id="1" dur="indefinite" restart="never" nodeType="tmRoot"/>
+      </p:par>
+    </p:tnLst>
+  </p:timing>
 </p:sld>
 </file>
 
@@ -7663,7 +8090,7 @@
         </p:blipFill>
         <p:spPr>
           <a:xfrm>
-            <a:off x="454284" y="1317438"/>
+            <a:off x="454284" y="1307640"/>
             <a:ext cx="8235432" cy="5087558"/>
           </a:xfrm>
           <a:prstGeom prst="rect">
@@ -7671,31 +8098,6 @@
           </a:prstGeom>
         </p:spPr>
       </p:pic>
-      <p:sp>
-        <p:nvSpPr>
-          <p:cNvPr id="9" name="Content Placeholder 8">
-            <a:extLst>
-              <a:ext uri="{FF2B5EF4-FFF2-40B4-BE49-F238E27FC236}">
-                <a16:creationId xmlns:a16="http://schemas.microsoft.com/office/drawing/2014/main" id="{11610DEF-8A81-9EBA-22E2-86455DA9C3F7}"/>
-              </a:ext>
-            </a:extLst>
-          </p:cNvPr>
-          <p:cNvSpPr>
-            <a:spLocks noGrp="1"/>
-          </p:cNvSpPr>
-          <p:nvPr>
-            <p:ph idx="1"/>
-          </p:nvPr>
-        </p:nvSpPr>
-        <p:spPr/>
-        <p:txBody>
-          <a:bodyPr/>
-          <a:lstStyle/>
-          <a:p>
-            <a:endParaRPr lang="en-GB" dirty="0"/>
-          </a:p>
-        </p:txBody>
-      </p:sp>
     </p:spTree>
     <p:extLst>
       <p:ext uri="{BB962C8B-B14F-4D97-AF65-F5344CB8AC3E}">
@@ -7706,6 +8108,13 @@
   <p:clrMapOvr>
     <a:masterClrMapping/>
   </p:clrMapOvr>
+  <p:timing>
+    <p:tnLst>
+      <p:par>
+        <p:cTn id="1" dur="indefinite" restart="never" nodeType="tmRoot"/>
+      </p:par>
+    </p:tnLst>
+  </p:timing>
 </p:sld>
 </file>
 
@@ -7799,7 +8208,7 @@
         </p:blipFill>
         <p:spPr>
           <a:xfrm>
-            <a:off x="1231668" y="1244213"/>
+            <a:off x="1113796" y="1209965"/>
             <a:ext cx="6916407" cy="5431222"/>
           </a:xfrm>
           <a:prstGeom prst="rect">
@@ -7817,6 +8226,13 @@
   <p:clrMapOvr>
     <a:masterClrMapping/>
   </p:clrMapOvr>
+  <p:timing>
+    <p:tnLst>
+      <p:par>
+        <p:cTn id="1" dur="indefinite" restart="never" nodeType="tmRoot"/>
+      </p:par>
+    </p:tnLst>
+  </p:timing>
 </p:sld>
 </file>
 
@@ -7884,7 +8300,7 @@
       </p:sp>
       <p:pic>
         <p:nvPicPr>
-          <p:cNvPr id="3" name="Content Placeholder 7" descr="A diagram of a computer program&#10;&#10;Description automatically generated with medium confidence">
+          <p:cNvPr id="5" name="Content Placeholder 7" descr="A diagram of a computer program&#10;&#10;Description automatically generated with medium confidence">
             <a:extLst>
               <a:ext uri="{FF2B5EF4-FFF2-40B4-BE49-F238E27FC236}">
                 <a16:creationId xmlns:a16="http://schemas.microsoft.com/office/drawing/2014/main" id="{C123E493-BBD9-85DC-BC70-33543EABD09A}"/>
@@ -7892,11 +8308,9 @@
             </a:extLst>
           </p:cNvPr>
           <p:cNvPicPr>
-            <a:picLocks noGrp="1" noChangeAspect="1"/>
+            <a:picLocks noChangeAspect="1"/>
           </p:cNvPicPr>
-          <p:nvPr>
-            <p:ph idx="1"/>
-          </p:nvPr>
+          <p:nvPr/>
         </p:nvPicPr>
         <p:blipFill>
           <a:blip r:embed="rId2" cstate="print">
@@ -7912,9 +8326,12 @@
         </p:blipFill>
         <p:spPr>
           <a:xfrm>
-            <a:off x="1285139" y="1244563"/>
-            <a:ext cx="6356631" cy="5430872"/>
+            <a:off x="1134170" y="1244563"/>
+            <a:ext cx="6875659" cy="5430872"/>
           </a:xfrm>
+          <a:prstGeom prst="rect">
+            <a:avLst/>
+          </a:prstGeom>
         </p:spPr>
       </p:pic>
     </p:spTree>
@@ -7927,6 +8344,13 @@
   <p:clrMapOvr>
     <a:masterClrMapping/>
   </p:clrMapOvr>
+  <p:timing>
+    <p:tnLst>
+      <p:par>
+        <p:cTn id="1" dur="indefinite" restart="never" nodeType="tmRoot"/>
+      </p:par>
+    </p:tnLst>
+  </p:timing>
 </p:sld>
 </file>
 
